--- a/ДОКУМЕНТЫ/МАТЕРИАЛ СТАТЬИ/RUSyncESMC - an ITU-T G.781 Multi-Clock ESMC Implementation.pptx
+++ b/ДОКУМЕНТЫ/МАТЕРИАЛ СТАТЬИ/RUSyncESMC - an ITU-T G.781 Multi-Clock ESMC Implementation.pptx
@@ -161,7 +161,7 @@
       </p15:sldGuideLst>
     </p:ext>
     <p:ext uri="GoogleSlidesCustomDataVersion2">
-      <go:slidesCustomData xmlns="" xmlns:mc="http://schemas.openxmlformats.org/markup-compatibility/2006" xmlns:mv="urn:schemas-microsoft-com:mac:vml" xmlns:c="http://schemas.openxmlformats.org/drawingml/2006/chart" xmlns:dgm="http://schemas.openxmlformats.org/drawingml/2006/diagram" xmlns:o="urn:schemas-microsoft-com:office:office" xmlns:v="urn:schemas-microsoft-com:vml" xmlns:pvml="urn:schemas-microsoft-com:office:powerpoint" xmlns:com="http://schemas.openxmlformats.org/drawingml/2006/compatibility" xmlns:p14="http://schemas.microsoft.com/office/powerpoint/2010/main" xmlns:p15="http://schemas.microsoft.com/office/powerpoint/2012/main" xmlns:ahyp="http://schemas.microsoft.com/office/drawing/2018/hyperlinkcolor" xmlns:go="http://customooxmlschemas.google.com/" r:id="rId30" roundtripDataSignature="AMtx7miTBu1ULPuT3dlB6yz1A+ak4y09TQ=="/>
+      <go:slidesCustomData xmlns:go="http://customooxmlschemas.google.com/" xmlns:ahyp="http://schemas.microsoft.com/office/drawing/2018/hyperlinkcolor" xmlns:p15="http://schemas.microsoft.com/office/powerpoint/2012/main" xmlns:p14="http://schemas.microsoft.com/office/powerpoint/2010/main" xmlns:com="http://schemas.openxmlformats.org/drawingml/2006/compatibility" xmlns:pvml="urn:schemas-microsoft-com:office:powerpoint" xmlns:v="urn:schemas-microsoft-com:vml" xmlns:o="urn:schemas-microsoft-com:office:office" xmlns:dgm="http://schemas.openxmlformats.org/drawingml/2006/diagram" xmlns:c="http://schemas.openxmlformats.org/drawingml/2006/chart" xmlns:mv="urn:schemas-microsoft-com:mac:vml" xmlns:mc="http://schemas.openxmlformats.org/markup-compatibility/2006" xmlns="" r:id="rId30" roundtripDataSignature="AMtx7miTBu1ULPuT3dlB6yz1A+ak4y09TQ=="/>
     </p:ext>
   </p:extLst>
 </p:presentation>
@@ -4307,7 +4307,7 @@
           <a:p>
             <a:fld id="{79F753F6-F409-4DFD-AD86-75445106B78F}" type="datetimeFigureOut">
               <a:rPr lang="ru-RU" smtClean="0"/>
-              <a:t>12.06.2024</a:t>
+              <a:t>12.07.2025</a:t>
             </a:fld>
             <a:endParaRPr lang="ru-RU"/>
           </a:p>
@@ -4515,7 +4515,7 @@
           <a:p>
             <a:fld id="{79F753F6-F409-4DFD-AD86-75445106B78F}" type="datetimeFigureOut">
               <a:rPr lang="ru-RU" smtClean="0"/>
-              <a:t>12.06.2024</a:t>
+              <a:t>12.07.2025</a:t>
             </a:fld>
             <a:endParaRPr lang="ru-RU"/>
           </a:p>
@@ -4733,7 +4733,7 @@
           <a:p>
             <a:fld id="{79F753F6-F409-4DFD-AD86-75445106B78F}" type="datetimeFigureOut">
               <a:rPr lang="ru-RU" smtClean="0"/>
-              <a:t>12.06.2024</a:t>
+              <a:t>12.07.2025</a:t>
             </a:fld>
             <a:endParaRPr lang="ru-RU"/>
           </a:p>
@@ -11460,7 +11460,7 @@
           <a:p>
             <a:fld id="{79F753F6-F409-4DFD-AD86-75445106B78F}" type="datetimeFigureOut">
               <a:rPr lang="ru-RU" smtClean="0"/>
-              <a:t>12.06.2024</a:t>
+              <a:t>12.07.2025</a:t>
             </a:fld>
             <a:endParaRPr lang="ru-RU"/>
           </a:p>
@@ -11745,7 +11745,7 @@
           <a:p>
             <a:fld id="{79F753F6-F409-4DFD-AD86-75445106B78F}" type="datetimeFigureOut">
               <a:rPr lang="ru-RU" smtClean="0"/>
-              <a:t>12.06.2024</a:t>
+              <a:t>12.07.2025</a:t>
             </a:fld>
             <a:endParaRPr lang="ru-RU"/>
           </a:p>
@@ -12020,7 +12020,7 @@
           <a:p>
             <a:fld id="{79F753F6-F409-4DFD-AD86-75445106B78F}" type="datetimeFigureOut">
               <a:rPr lang="ru-RU" smtClean="0"/>
-              <a:t>12.06.2024</a:t>
+              <a:t>12.07.2025</a:t>
             </a:fld>
             <a:endParaRPr lang="ru-RU"/>
           </a:p>
@@ -12442,7 +12442,7 @@
           <a:p>
             <a:fld id="{79F753F6-F409-4DFD-AD86-75445106B78F}" type="datetimeFigureOut">
               <a:rPr lang="ru-RU" smtClean="0"/>
-              <a:t>12.06.2024</a:t>
+              <a:t>12.07.2025</a:t>
             </a:fld>
             <a:endParaRPr lang="ru-RU"/>
           </a:p>
@@ -12593,7 +12593,7 @@
           <a:p>
             <a:fld id="{79F753F6-F409-4DFD-AD86-75445106B78F}" type="datetimeFigureOut">
               <a:rPr lang="ru-RU" smtClean="0"/>
-              <a:t>12.06.2024</a:t>
+              <a:t>12.07.2025</a:t>
             </a:fld>
             <a:endParaRPr lang="ru-RU"/>
           </a:p>
@@ -12716,7 +12716,7 @@
           <a:p>
             <a:fld id="{79F753F6-F409-4DFD-AD86-75445106B78F}" type="datetimeFigureOut">
               <a:rPr lang="ru-RU" smtClean="0"/>
-              <a:t>12.06.2024</a:t>
+              <a:t>12.07.2025</a:t>
             </a:fld>
             <a:endParaRPr lang="ru-RU"/>
           </a:p>
@@ -13037,7 +13037,7 @@
           <a:p>
             <a:fld id="{79F753F6-F409-4DFD-AD86-75445106B78F}" type="datetimeFigureOut">
               <a:rPr lang="ru-RU" smtClean="0"/>
-              <a:t>12.06.2024</a:t>
+              <a:t>12.07.2025</a:t>
             </a:fld>
             <a:endParaRPr lang="ru-RU"/>
           </a:p>
@@ -13335,7 +13335,7 @@
           <a:p>
             <a:fld id="{79F753F6-F409-4DFD-AD86-75445106B78F}" type="datetimeFigureOut">
               <a:rPr lang="ru-RU" smtClean="0"/>
-              <a:t>12.06.2024</a:t>
+              <a:t>12.07.2025</a:t>
             </a:fld>
             <a:endParaRPr lang="ru-RU"/>
           </a:p>
@@ -13586,7 +13586,7 @@
           <a:p>
             <a:fld id="{79F753F6-F409-4DFD-AD86-75445106B78F}" type="datetimeFigureOut">
               <a:rPr lang="ru-RU" smtClean="0"/>
-              <a:t>12.06.2024</a:t>
+              <a:t>12.07.2025</a:t>
             </a:fld>
             <a:endParaRPr lang="ru-RU"/>
           </a:p>
@@ -14201,151 +14201,6 @@
           </a:effectLst>
         </p:spPr>
       </p:pic>
-      <p:sp>
-        <p:nvSpPr>
-          <p:cNvPr id="71" name="Google Shape;71;p2"/>
-          <p:cNvSpPr txBox="1"/>
-          <p:nvPr/>
-        </p:nvSpPr>
-        <p:spPr>
-          <a:xfrm>
-            <a:off x="5766032" y="6282765"/>
-            <a:ext cx="6425968" cy="365125"/>
-          </a:xfrm>
-          <a:prstGeom prst="rect">
-            <a:avLst/>
-          </a:prstGeom>
-          <a:noFill/>
-          <a:ln>
-            <a:noFill/>
-          </a:ln>
-        </p:spPr>
-        <p:txBody>
-          <a:bodyPr spcFirstLastPara="1" wrap="square" lIns="91425" tIns="45700" rIns="91425" bIns="45700" anchor="ctr" anchorCtr="0">
-            <a:noAutofit/>
-          </a:bodyPr>
-          <a:lstStyle/>
-          <a:p>
-            <a:pPr marL="0" marR="0" lvl="0" indent="0" algn="r" rtl="0">
-              <a:lnSpc>
-                <a:spcPct val="100000"/>
-              </a:lnSpc>
-              <a:spcBef>
-                <a:spcPts val="0"/>
-              </a:spcBef>
-              <a:spcAft>
-                <a:spcPts val="0"/>
-              </a:spcAft>
-              <a:buClr>
-                <a:srgbClr val="000000"/>
-              </a:buClr>
-              <a:buSzPts val="1400"/>
-              <a:buFont typeface="Arial"/>
-              <a:buNone/>
-            </a:pPr>
-            <a:r>
-              <a:rPr lang="en-US" sz="1200" b="0" i="0" u="none" strike="noStrike" cap="none" dirty="0">
-                <a:solidFill>
-                  <a:srgbClr val="9E9E9E"/>
-                </a:solidFill>
-                <a:latin typeface="Calibri"/>
-                <a:ea typeface="Calibri"/>
-                <a:cs typeface="Calibri"/>
-                <a:sym typeface="Calibri"/>
-              </a:rPr>
-              <a:t>©202</a:t>
-            </a:r>
-            <a:r>
-              <a:rPr lang="ru-RU" sz="1200" b="0" i="0" u="none" strike="noStrike" cap="none" dirty="0">
-                <a:solidFill>
-                  <a:srgbClr val="9E9E9E"/>
-                </a:solidFill>
-                <a:latin typeface="Calibri"/>
-                <a:ea typeface="Calibri"/>
-                <a:cs typeface="Calibri"/>
-                <a:sym typeface="Calibri"/>
-              </a:rPr>
-              <a:t>4</a:t>
-            </a:r>
-            <a:r>
-              <a:rPr lang="en-US" sz="1200" b="0" i="0" u="none" strike="noStrike" cap="none" dirty="0">
-                <a:solidFill>
-                  <a:srgbClr val="9E9E9E"/>
-                </a:solidFill>
-                <a:latin typeface="Calibri"/>
-                <a:ea typeface="Calibri"/>
-                <a:cs typeface="Calibri"/>
-                <a:sym typeface="Calibri"/>
-              </a:rPr>
-              <a:t> </a:t>
-            </a:r>
-            <a:r>
-              <a:rPr lang="en-US" sz="1200" dirty="0" err="1">
-                <a:solidFill>
-                  <a:srgbClr val="9E9E9E"/>
-                </a:solidFill>
-                <a:latin typeface="Calibri"/>
-                <a:ea typeface="Calibri"/>
-                <a:cs typeface="Calibri"/>
-                <a:sym typeface="Calibri"/>
-              </a:rPr>
-              <a:t>ShiwaNetwork</a:t>
-            </a:r>
-            <a:r>
-              <a:rPr lang="en-US" sz="1200" b="0" i="0" u="none" strike="noStrike" cap="none" dirty="0">
-                <a:solidFill>
-                  <a:srgbClr val="9E9E9E"/>
-                </a:solidFill>
-                <a:latin typeface="Calibri"/>
-                <a:ea typeface="Calibri"/>
-                <a:cs typeface="Calibri"/>
-                <a:sym typeface="Calibri"/>
-              </a:rPr>
-              <a:t> | </a:t>
-            </a:r>
-            <a:r>
-              <a:rPr lang="en-US" sz="1200" b="0" i="0" u="sng" strike="noStrike" cap="none" dirty="0">
-                <a:solidFill>
-                  <a:srgbClr val="9E9E9E"/>
-                </a:solidFill>
-                <a:latin typeface="Calibri"/>
-                <a:ea typeface="Calibri"/>
-                <a:cs typeface="Calibri"/>
-                <a:sym typeface="Calibri"/>
-                <a:hlinkClick r:id="rId4">
-                  <a:extLst>
-                    <a:ext uri="{A12FA001-AC4F-418D-AE19-62706E023703}">
-                      <ahyp:hlinkClr xmlns:ahyp="http://schemas.microsoft.com/office/drawing/2018/hyperlinkcolor" val="tx"/>
-                    </a:ext>
-                  </a:extLst>
-                </a:hlinkClick>
-              </a:rPr>
-              <a:t>www.snet</a:t>
-            </a:r>
-            <a:r>
-              <a:rPr lang="en-US" sz="1200" b="0" i="0" u="none" strike="noStrike" cap="none" dirty="0">
-                <a:solidFill>
-                  <a:srgbClr val="9E9E9E"/>
-                </a:solidFill>
-                <a:latin typeface="Calibri"/>
-                <a:ea typeface="Calibri"/>
-                <a:cs typeface="Calibri"/>
-                <a:sym typeface="Calibri"/>
-              </a:rPr>
-              <a:t> |</a:t>
-            </a:r>
-            <a:endParaRPr sz="1200" b="0" i="0" u="none" strike="noStrike" cap="none" dirty="0">
-              <a:solidFill>
-                <a:srgbClr val="9E9E9E"/>
-              </a:solidFill>
-              <a:latin typeface="Calibri"/>
-              <a:ea typeface="Calibri"/>
-              <a:cs typeface="Calibri"/>
-              <a:sym typeface="Calibri"/>
-            </a:endParaRPr>
-          </a:p>
-        </p:txBody>
-      </p:sp>
     </p:spTree>
   </p:cSld>
   <p:clrMapOvr>
